--- a/Presentations/Inmon, Kimball, Hybrids Presentation Material.pptx
+++ b/Presentations/Inmon, Kimball, Hybrids Presentation Material.pptx
@@ -14,8 +14,9 @@
     <p:sldId id="267" r:id="rId8"/>
     <p:sldId id="261" r:id="rId9"/>
     <p:sldId id="259" r:id="rId10"/>
-    <p:sldId id="262" r:id="rId11"/>
-    <p:sldId id="263" r:id="rId12"/>
+    <p:sldId id="268" r:id="rId11"/>
+    <p:sldId id="262" r:id="rId12"/>
+    <p:sldId id="263" r:id="rId13"/>
   </p:sldIdLst>
   <p:sldSz cx="12192000" cy="6858000"/>
   <p:notesSz cx="6858000" cy="9144000"/>
@@ -251,7 +252,7 @@
           <a:p>
             <a:fld id="{0E7EDDD3-6B36-9445-8F0F-97D1483EF8A5}" type="datetimeFigureOut">
               <a:rPr lang="en-US" smtClean="0"/>
-              <a:t>9/16/2019</a:t>
+              <a:t>9/22/2020</a:t>
             </a:fld>
             <a:endParaRPr lang="en-US"/>
           </a:p>
@@ -419,7 +420,7 @@
           <a:p>
             <a:fld id="{0E7EDDD3-6B36-9445-8F0F-97D1483EF8A5}" type="datetimeFigureOut">
               <a:rPr lang="en-US" smtClean="0"/>
-              <a:t>9/16/2019</a:t>
+              <a:t>9/22/2020</a:t>
             </a:fld>
             <a:endParaRPr lang="en-US"/>
           </a:p>
@@ -597,7 +598,7 @@
           <a:p>
             <a:fld id="{0E7EDDD3-6B36-9445-8F0F-97D1483EF8A5}" type="datetimeFigureOut">
               <a:rPr lang="en-US" smtClean="0"/>
-              <a:t>9/16/2019</a:t>
+              <a:t>9/22/2020</a:t>
             </a:fld>
             <a:endParaRPr lang="en-US"/>
           </a:p>
@@ -765,7 +766,7 @@
           <a:p>
             <a:fld id="{0E7EDDD3-6B36-9445-8F0F-97D1483EF8A5}" type="datetimeFigureOut">
               <a:rPr lang="en-US" smtClean="0"/>
-              <a:t>9/16/2019</a:t>
+              <a:t>9/22/2020</a:t>
             </a:fld>
             <a:endParaRPr lang="en-US"/>
           </a:p>
@@ -1010,7 +1011,7 @@
           <a:p>
             <a:fld id="{0E7EDDD3-6B36-9445-8F0F-97D1483EF8A5}" type="datetimeFigureOut">
               <a:rPr lang="en-US" smtClean="0"/>
-              <a:t>9/16/2019</a:t>
+              <a:t>9/22/2020</a:t>
             </a:fld>
             <a:endParaRPr lang="en-US"/>
           </a:p>
@@ -1239,7 +1240,7 @@
           <a:p>
             <a:fld id="{0E7EDDD3-6B36-9445-8F0F-97D1483EF8A5}" type="datetimeFigureOut">
               <a:rPr lang="en-US" smtClean="0"/>
-              <a:t>9/16/2019</a:t>
+              <a:t>9/22/2020</a:t>
             </a:fld>
             <a:endParaRPr lang="en-US"/>
           </a:p>
@@ -1603,7 +1604,7 @@
           <a:p>
             <a:fld id="{0E7EDDD3-6B36-9445-8F0F-97D1483EF8A5}" type="datetimeFigureOut">
               <a:rPr lang="en-US" smtClean="0"/>
-              <a:t>9/16/2019</a:t>
+              <a:t>9/22/2020</a:t>
             </a:fld>
             <a:endParaRPr lang="en-US"/>
           </a:p>
@@ -1720,7 +1721,7 @@
           <a:p>
             <a:fld id="{0E7EDDD3-6B36-9445-8F0F-97D1483EF8A5}" type="datetimeFigureOut">
               <a:rPr lang="en-US" smtClean="0"/>
-              <a:t>9/16/2019</a:t>
+              <a:t>9/22/2020</a:t>
             </a:fld>
             <a:endParaRPr lang="en-US"/>
           </a:p>
@@ -1815,7 +1816,7 @@
           <a:p>
             <a:fld id="{0E7EDDD3-6B36-9445-8F0F-97D1483EF8A5}" type="datetimeFigureOut">
               <a:rPr lang="en-US" smtClean="0"/>
-              <a:t>9/16/2019</a:t>
+              <a:t>9/22/2020</a:t>
             </a:fld>
             <a:endParaRPr lang="en-US"/>
           </a:p>
@@ -2090,7 +2091,7 @@
           <a:p>
             <a:fld id="{0E7EDDD3-6B36-9445-8F0F-97D1483EF8A5}" type="datetimeFigureOut">
               <a:rPr lang="en-US" smtClean="0"/>
-              <a:t>9/16/2019</a:t>
+              <a:t>9/22/2020</a:t>
             </a:fld>
             <a:endParaRPr lang="en-US"/>
           </a:p>
@@ -2342,7 +2343,7 @@
           <a:p>
             <a:fld id="{0E7EDDD3-6B36-9445-8F0F-97D1483EF8A5}" type="datetimeFigureOut">
               <a:rPr lang="en-US" smtClean="0"/>
-              <a:t>9/16/2019</a:t>
+              <a:t>9/22/2020</a:t>
             </a:fld>
             <a:endParaRPr lang="en-US"/>
           </a:p>
@@ -2553,7 +2554,7 @@
           <a:p>
             <a:fld id="{0E7EDDD3-6B36-9445-8F0F-97D1483EF8A5}" type="datetimeFigureOut">
               <a:rPr lang="en-US" smtClean="0"/>
-              <a:t>9/16/2019</a:t>
+              <a:t>9/22/2020</a:t>
             </a:fld>
             <a:endParaRPr lang="en-US"/>
           </a:p>
@@ -3179,7 +3180,7 @@
           <a:lstStyle/>
           <a:p>
             <a:r>
-              <a:rPr lang="en-US" sz="1500">
+              <a:rPr lang="en-US" sz="1500" dirty="0">
                 <a:solidFill>
                   <a:srgbClr val="FFFFFF"/>
                 </a:solidFill>
@@ -3189,12 +3190,12 @@
           </a:p>
           <a:p>
             <a:r>
-              <a:rPr lang="en-US" sz="1500">
+              <a:rPr lang="en-US" sz="1500" dirty="0">
                 <a:solidFill>
                   <a:srgbClr val="FFFFFF"/>
                 </a:solidFill>
               </a:rPr>
-              <a:t>Data 742 9/17/2019</a:t>
+              <a:t>Data 742</a:t>
             </a:r>
           </a:p>
         </p:txBody>
@@ -3265,6 +3266,131 @@
           <a:chExt cx="0" cy="0"/>
         </a:xfrm>
       </p:grpSpPr>
+      <p:sp>
+        <p:nvSpPr>
+          <p:cNvPr id="9" name="TextBox 8"/>
+          <p:cNvSpPr txBox="1"/>
+          <p:nvPr/>
+        </p:nvSpPr>
+        <p:spPr>
+          <a:xfrm>
+            <a:off x="382818" y="5935808"/>
+            <a:ext cx="7902766" cy="769441"/>
+          </a:xfrm>
+          <a:prstGeom prst="rect">
+            <a:avLst/>
+          </a:prstGeom>
+          <a:noFill/>
+        </p:spPr>
+        <p:txBody>
+          <a:bodyPr wrap="square" rtlCol="0">
+            <a:spAutoFit/>
+          </a:bodyPr>
+          <a:lstStyle/>
+          <a:p>
+            <a:r>
+              <a:rPr lang="en-US" sz="2800" dirty="0"/>
+              <a:t>Hadoop Components</a:t>
+            </a:r>
+          </a:p>
+          <a:p>
+            <a:r>
+              <a:rPr lang="en-US" sz="1600" dirty="0"/>
+              <a:t>Reference:  https://data-flair.training/blogs/hadoop-ecosystem-components/</a:t>
+            </a:r>
+          </a:p>
+        </p:txBody>
+      </p:sp>
+      <p:pic>
+        <p:nvPicPr>
+          <p:cNvPr id="10" name="Picture 9"/>
+          <p:cNvPicPr>
+            <a:picLocks noChangeAspect="1"/>
+          </p:cNvPicPr>
+          <p:nvPr/>
+        </p:nvPicPr>
+        <p:blipFill>
+          <a:blip r:embed="rId2">
+            <a:extLst>
+              <a:ext uri="{28A0092B-C50C-407E-A947-70E740481C1C}">
+                <a14:useLocalDpi xmlns:a14="http://schemas.microsoft.com/office/drawing/2010/main" val="0"/>
+              </a:ext>
+            </a:extLst>
+          </a:blip>
+          <a:stretch>
+            <a:fillRect/>
+          </a:stretch>
+        </p:blipFill>
+        <p:spPr>
+          <a:xfrm>
+            <a:off x="11269238" y="5997831"/>
+            <a:ext cx="603504" cy="658368"/>
+          </a:xfrm>
+          <a:prstGeom prst="rect">
+            <a:avLst/>
+          </a:prstGeom>
+        </p:spPr>
+      </p:pic>
+      <p:pic>
+        <p:nvPicPr>
+          <p:cNvPr id="2" name="Picture 1">
+            <a:extLst>
+              <a:ext uri="{FF2B5EF4-FFF2-40B4-BE49-F238E27FC236}">
+                <a16:creationId xmlns:a16="http://schemas.microsoft.com/office/drawing/2014/main" id="{653D201F-3B92-478E-BACF-20CADFB14974}"/>
+              </a:ext>
+            </a:extLst>
+          </p:cNvPr>
+          <p:cNvPicPr>
+            <a:picLocks noChangeAspect="1"/>
+          </p:cNvPicPr>
+          <p:nvPr/>
+        </p:nvPicPr>
+        <p:blipFill>
+          <a:blip r:embed="rId3"/>
+          <a:stretch>
+            <a:fillRect/>
+          </a:stretch>
+        </p:blipFill>
+        <p:spPr>
+          <a:xfrm>
+            <a:off x="826892" y="506558"/>
+            <a:ext cx="10420350" cy="5429250"/>
+          </a:xfrm>
+          <a:prstGeom prst="rect">
+            <a:avLst/>
+          </a:prstGeom>
+        </p:spPr>
+      </p:pic>
+    </p:spTree>
+    <p:extLst>
+      <p:ext uri="{BB962C8B-B14F-4D97-AF65-F5344CB8AC3E}">
+        <p14:creationId xmlns:p14="http://schemas.microsoft.com/office/powerpoint/2010/main" val="992516588"/>
+      </p:ext>
+    </p:extLst>
+  </p:cSld>
+  <p:clrMapOvr>
+    <a:masterClrMapping/>
+  </p:clrMapOvr>
+</p:sld>
+</file>
+
+<file path=ppt/slides/slide11.xml><?xml version="1.0" encoding="utf-8"?>
+<p:sld xmlns:a="http://schemas.openxmlformats.org/drawingml/2006/main" xmlns:r="http://schemas.openxmlformats.org/officeDocument/2006/relationships" xmlns:p="http://schemas.openxmlformats.org/presentationml/2006/main">
+  <p:cSld>
+    <p:spTree>
+      <p:nvGrpSpPr>
+        <p:cNvPr id="1" name=""/>
+        <p:cNvGrpSpPr/>
+        <p:nvPr/>
+      </p:nvGrpSpPr>
+      <p:grpSpPr>
+        <a:xfrm>
+          <a:off x="0" y="0"/>
+          <a:ext cx="0" cy="0"/>
+          <a:chOff x="0" y="0"/>
+          <a:chExt cx="0" cy="0"/>
+        </a:xfrm>
+      </p:grpSpPr>
       <p:pic>
         <p:nvPicPr>
           <p:cNvPr id="1026" name="Picture 2">
@@ -3369,7 +3495,7 @@
 </p:sld>
 </file>
 
-<file path=ppt/slides/slide11.xml><?xml version="1.0" encoding="utf-8"?>
+<file path=ppt/slides/slide12.xml><?xml version="1.0" encoding="utf-8"?>
 <p:sld xmlns:a="http://schemas.openxmlformats.org/drawingml/2006/main" xmlns:r="http://schemas.openxmlformats.org/officeDocument/2006/relationships" xmlns:p="http://schemas.openxmlformats.org/presentationml/2006/main">
   <p:cSld>
     <p:spTree>
